--- a/slides/etl-flowchart.pptx
+++ b/slides/etl-flowchart.pptx
@@ -5,11 +5,10 @@
     <p:sldMasterId id="2147483648" r:id="rId1"/>
   </p:sldMasterIdLst>
   <p:notesMasterIdLst>
-    <p:notesMasterId r:id="rId4"/>
+    <p:notesMasterId r:id="rId3"/>
   </p:notesMasterIdLst>
   <p:sldIdLst>
     <p:sldId id="256" r:id="rId2"/>
-    <p:sldId id="257" r:id="rId3"/>
   </p:sldIdLst>
   <p:sldSz cx="12192000" cy="6858000"/>
   <p:notesSz cx="6858000" cy="9144000"/>
@@ -209,7 +208,7 @@
           <a:p>
             <a:fld id="{313F60D7-2212-4291-B147-92ABD0F7A10E}" type="datetimeFigureOut">
               <a:rPr lang="en-US" smtClean="0"/>
-              <a:t>2/6/2021</a:t>
+              <a:t>2/8/2021</a:t>
             </a:fld>
             <a:endParaRPr lang="en-US"/>
           </a:p>
@@ -707,7 +706,7 @@
           <a:p>
             <a:fld id="{C74AE7EF-712D-4BAE-BB90-60B1237D7184}" type="datetimeFigureOut">
               <a:rPr lang="en-US" smtClean="0"/>
-              <a:t>2/6/2021</a:t>
+              <a:t>2/8/2021</a:t>
             </a:fld>
             <a:endParaRPr lang="en-US"/>
           </a:p>
@@ -905,7 +904,7 @@
           <a:p>
             <a:fld id="{C74AE7EF-712D-4BAE-BB90-60B1237D7184}" type="datetimeFigureOut">
               <a:rPr lang="en-US" smtClean="0"/>
-              <a:t>2/6/2021</a:t>
+              <a:t>2/8/2021</a:t>
             </a:fld>
             <a:endParaRPr lang="en-US"/>
           </a:p>
@@ -1113,7 +1112,7 @@
           <a:p>
             <a:fld id="{C74AE7EF-712D-4BAE-BB90-60B1237D7184}" type="datetimeFigureOut">
               <a:rPr lang="en-US" smtClean="0"/>
-              <a:t>2/6/2021</a:t>
+              <a:t>2/8/2021</a:t>
             </a:fld>
             <a:endParaRPr lang="en-US"/>
           </a:p>
@@ -1311,7 +1310,7 @@
           <a:p>
             <a:fld id="{C74AE7EF-712D-4BAE-BB90-60B1237D7184}" type="datetimeFigureOut">
               <a:rPr lang="en-US" smtClean="0"/>
-              <a:t>2/6/2021</a:t>
+              <a:t>2/8/2021</a:t>
             </a:fld>
             <a:endParaRPr lang="en-US"/>
           </a:p>
@@ -1586,7 +1585,7 @@
           <a:p>
             <a:fld id="{C74AE7EF-712D-4BAE-BB90-60B1237D7184}" type="datetimeFigureOut">
               <a:rPr lang="en-US" smtClean="0"/>
-              <a:t>2/6/2021</a:t>
+              <a:t>2/8/2021</a:t>
             </a:fld>
             <a:endParaRPr lang="en-US"/>
           </a:p>
@@ -1851,7 +1850,7 @@
           <a:p>
             <a:fld id="{C74AE7EF-712D-4BAE-BB90-60B1237D7184}" type="datetimeFigureOut">
               <a:rPr lang="en-US" smtClean="0"/>
-              <a:t>2/6/2021</a:t>
+              <a:t>2/8/2021</a:t>
             </a:fld>
             <a:endParaRPr lang="en-US"/>
           </a:p>
@@ -2263,7 +2262,7 @@
           <a:p>
             <a:fld id="{C74AE7EF-712D-4BAE-BB90-60B1237D7184}" type="datetimeFigureOut">
               <a:rPr lang="en-US" smtClean="0"/>
-              <a:t>2/6/2021</a:t>
+              <a:t>2/8/2021</a:t>
             </a:fld>
             <a:endParaRPr lang="en-US"/>
           </a:p>
@@ -2404,7 +2403,7 @@
           <a:p>
             <a:fld id="{C74AE7EF-712D-4BAE-BB90-60B1237D7184}" type="datetimeFigureOut">
               <a:rPr lang="en-US" smtClean="0"/>
-              <a:t>2/6/2021</a:t>
+              <a:t>2/8/2021</a:t>
             </a:fld>
             <a:endParaRPr lang="en-US"/>
           </a:p>
@@ -2517,7 +2516,7 @@
           <a:p>
             <a:fld id="{C74AE7EF-712D-4BAE-BB90-60B1237D7184}" type="datetimeFigureOut">
               <a:rPr lang="en-US" smtClean="0"/>
-              <a:t>2/6/2021</a:t>
+              <a:t>2/8/2021</a:t>
             </a:fld>
             <a:endParaRPr lang="en-US"/>
           </a:p>
@@ -2828,7 +2827,7 @@
           <a:p>
             <a:fld id="{C74AE7EF-712D-4BAE-BB90-60B1237D7184}" type="datetimeFigureOut">
               <a:rPr lang="en-US" smtClean="0"/>
-              <a:t>2/6/2021</a:t>
+              <a:t>2/8/2021</a:t>
             </a:fld>
             <a:endParaRPr lang="en-US"/>
           </a:p>
@@ -3116,7 +3115,7 @@
           <a:p>
             <a:fld id="{C74AE7EF-712D-4BAE-BB90-60B1237D7184}" type="datetimeFigureOut">
               <a:rPr lang="en-US" smtClean="0"/>
-              <a:t>2/6/2021</a:t>
+              <a:t>2/8/2021</a:t>
             </a:fld>
             <a:endParaRPr lang="en-US"/>
           </a:p>
@@ -3357,7 +3356,7 @@
           <a:p>
             <a:fld id="{C74AE7EF-712D-4BAE-BB90-60B1237D7184}" type="datetimeFigureOut">
               <a:rPr lang="en-US" smtClean="0"/>
-              <a:t>2/6/2021</a:t>
+              <a:t>2/8/2021</a:t>
             </a:fld>
             <a:endParaRPr lang="en-US"/>
           </a:p>
@@ -3776,10 +3775,10 @@
       </p:grpSpPr>
       <p:sp>
         <p:nvSpPr>
-          <p:cNvPr id="94" name="Rectangle 93">
-            <a:extLst>
-              <a:ext uri="{FF2B5EF4-FFF2-40B4-BE49-F238E27FC236}">
-                <a16:creationId xmlns:a16="http://schemas.microsoft.com/office/drawing/2014/main" id="{B52AFC89-F606-402B-93A9-14D8DBEFAB27}"/>
+          <p:cNvPr id="53" name="Rectangle 52">
+            <a:extLst>
+              <a:ext uri="{FF2B5EF4-FFF2-40B4-BE49-F238E27FC236}">
+                <a16:creationId xmlns:a16="http://schemas.microsoft.com/office/drawing/2014/main" id="{1E06B9B9-3DC7-43B7-8653-D019080A52E4}"/>
               </a:ext>
             </a:extLst>
           </p:cNvPr>
@@ -3788,8 +3787,62 @@
         </p:nvSpPr>
         <p:spPr>
           <a:xfrm>
+            <a:off x="195309" y="5746303"/>
+            <a:ext cx="11762912" cy="968435"/>
+          </a:xfrm>
+          <a:prstGeom prst="rect">
+            <a:avLst/>
+          </a:prstGeom>
+          <a:solidFill>
+            <a:schemeClr val="bg2">
+              <a:lumMod val="90000"/>
+            </a:schemeClr>
+          </a:solidFill>
+          <a:ln>
+            <a:noFill/>
+          </a:ln>
+        </p:spPr>
+        <p:style>
+          <a:lnRef idx="2">
+            <a:schemeClr val="accent1">
+              <a:shade val="50000"/>
+            </a:schemeClr>
+          </a:lnRef>
+          <a:fillRef idx="1">
+            <a:schemeClr val="accent1"/>
+          </a:fillRef>
+          <a:effectRef idx="0">
+            <a:schemeClr val="accent1"/>
+          </a:effectRef>
+          <a:fontRef idx="minor">
+            <a:schemeClr val="lt1"/>
+          </a:fontRef>
+        </p:style>
+        <p:txBody>
+          <a:bodyPr rtlCol="0" anchor="ctr"/>
+          <a:lstStyle/>
+          <a:p>
+            <a:pPr algn="ctr"/>
+            <a:endParaRPr lang="en-US"/>
+          </a:p>
+        </p:txBody>
+      </p:sp>
+      <p:sp>
+        <p:nvSpPr>
+          <p:cNvPr id="94" name="Rectangle 93">
+            <a:extLst>
+              <a:ext uri="{FF2B5EF4-FFF2-40B4-BE49-F238E27FC236}">
+                <a16:creationId xmlns:a16="http://schemas.microsoft.com/office/drawing/2014/main" id="{B52AFC89-F606-402B-93A9-14D8DBEFAB27}"/>
+              </a:ext>
+            </a:extLst>
+          </p:cNvPr>
+          <p:cNvSpPr/>
+          <p:nvPr/>
+        </p:nvSpPr>
+        <p:spPr>
+          <a:xfrm>
             <a:off x="195309" y="4061212"/>
-            <a:ext cx="11762912" cy="1792649"/>
+            <a:ext cx="11762912" cy="1685092"/>
           </a:xfrm>
           <a:prstGeom prst="rect">
             <a:avLst/>
@@ -3984,60 +4037,6 @@
       </p:cxnSp>
       <p:sp>
         <p:nvSpPr>
-          <p:cNvPr id="48" name="Rectangle 47">
-            <a:extLst>
-              <a:ext uri="{FF2B5EF4-FFF2-40B4-BE49-F238E27FC236}">
-                <a16:creationId xmlns:a16="http://schemas.microsoft.com/office/drawing/2014/main" id="{DBAE284B-056B-438E-BA9D-AA579C9053D5}"/>
-              </a:ext>
-            </a:extLst>
-          </p:cNvPr>
-          <p:cNvSpPr/>
-          <p:nvPr/>
-        </p:nvSpPr>
-        <p:spPr>
-          <a:xfrm>
-            <a:off x="3059821" y="6040782"/>
-            <a:ext cx="6072358" cy="624339"/>
-          </a:xfrm>
-          <a:prstGeom prst="rect">
-            <a:avLst/>
-          </a:prstGeom>
-          <a:solidFill>
-            <a:schemeClr val="bg1"/>
-          </a:solidFill>
-          <a:ln>
-            <a:solidFill>
-              <a:schemeClr val="tx1"/>
-            </a:solidFill>
-          </a:ln>
-        </p:spPr>
-        <p:style>
-          <a:lnRef idx="2">
-            <a:schemeClr val="accent1">
-              <a:shade val="50000"/>
-            </a:schemeClr>
-          </a:lnRef>
-          <a:fillRef idx="1">
-            <a:schemeClr val="accent1"/>
-          </a:fillRef>
-          <a:effectRef idx="0">
-            <a:schemeClr val="accent1"/>
-          </a:effectRef>
-          <a:fontRef idx="minor">
-            <a:schemeClr val="lt1"/>
-          </a:fontRef>
-        </p:style>
-        <p:txBody>
-          <a:bodyPr rtlCol="0" anchor="ctr"/>
-          <a:lstStyle/>
-          <a:p>
-            <a:pPr algn="ctr"/>
-            <a:endParaRPr lang="en-US" sz="1400" b="1" dirty="0"/>
-          </a:p>
-        </p:txBody>
-      </p:sp>
-      <p:sp>
-        <p:nvSpPr>
           <p:cNvPr id="4" name="Rectangle 3">
             <a:extLst>
               <a:ext uri="{FF2B5EF4-FFF2-40B4-BE49-F238E27FC236}">
@@ -4293,10 +4292,9 @@
           <a:p>
             <a:pPr algn="ctr"/>
             <a:r>
-              <a:rPr lang="en-US" sz="1400" b="1" dirty="0" err="1"/>
+              <a:rPr lang="en-US" sz="1400" b="1" dirty="0"/>
               <a:t>World_db</a:t>
             </a:r>
-            <a:endParaRPr lang="en-US" sz="1400" b="1" dirty="0"/>
           </a:p>
         </p:txBody>
       </p:sp>
@@ -4511,7 +4509,7 @@
         </p:nvSpPr>
         <p:spPr>
           <a:xfrm>
-            <a:off x="376936" y="4635320"/>
+            <a:off x="376936" y="4662717"/>
             <a:ext cx="643125" cy="369332"/>
           </a:xfrm>
           <a:prstGeom prst="rect">
@@ -4535,10 +4533,10 @@
       </p:sp>
       <p:sp>
         <p:nvSpPr>
-          <p:cNvPr id="29" name="Rectangle 28">
-            <a:extLst>
-              <a:ext uri="{FF2B5EF4-FFF2-40B4-BE49-F238E27FC236}">
-                <a16:creationId xmlns:a16="http://schemas.microsoft.com/office/drawing/2014/main" id="{84D8FC98-600F-4D50-969C-7C0646D19512}"/>
+          <p:cNvPr id="31" name="Rectangle 30">
+            <a:extLst>
+              <a:ext uri="{FF2B5EF4-FFF2-40B4-BE49-F238E27FC236}">
+                <a16:creationId xmlns:a16="http://schemas.microsoft.com/office/drawing/2014/main" id="{E2021133-2530-408F-98D1-A7C8266EDF65}"/>
               </a:ext>
             </a:extLst>
           </p:cNvPr>
@@ -4547,8 +4545,8 @@
         </p:nvSpPr>
         <p:spPr>
           <a:xfrm>
-            <a:off x="5808901" y="6130375"/>
-            <a:ext cx="1420427" cy="442737"/>
+            <a:off x="3338394" y="2510101"/>
+            <a:ext cx="2458051" cy="442737"/>
           </a:xfrm>
           <a:prstGeom prst="rect">
             <a:avLst/>
@@ -4581,22 +4579,18 @@
           <a:p>
             <a:pPr algn="ctr"/>
             <a:r>
-              <a:rPr lang="en-US" sz="1400" b="1" dirty="0" err="1"/>
-              <a:t>Jupyter</a:t>
-            </a:r>
-            <a:r>
               <a:rPr lang="en-US" sz="1400" b="1" dirty="0"/>
-              <a:t> Notebook</a:t>
-            </a:r>
-          </a:p>
-        </p:txBody>
-      </p:sp>
-      <p:sp>
-        <p:nvSpPr>
-          <p:cNvPr id="30" name="Rectangle 29">
-            <a:extLst>
-              <a:ext uri="{FF2B5EF4-FFF2-40B4-BE49-F238E27FC236}">
-                <a16:creationId xmlns:a16="http://schemas.microsoft.com/office/drawing/2014/main" id="{CC4EC98A-75C8-48F1-BAC0-FE4120184D9C}"/>
+              <a:t>Happiness Index Dataset </a:t>
+            </a:r>
+          </a:p>
+        </p:txBody>
+      </p:sp>
+      <p:sp>
+        <p:nvSpPr>
+          <p:cNvPr id="32" name="Rectangle 31">
+            <a:extLst>
+              <a:ext uri="{FF2B5EF4-FFF2-40B4-BE49-F238E27FC236}">
+                <a16:creationId xmlns:a16="http://schemas.microsoft.com/office/drawing/2014/main" id="{DDACCC03-85EE-40BB-9738-866F0744DEE0}"/>
               </a:ext>
             </a:extLst>
           </p:cNvPr>
@@ -4605,8 +4599,454 @@
         </p:nvSpPr>
         <p:spPr>
           <a:xfrm>
-            <a:off x="7538030" y="6130374"/>
-            <a:ext cx="1420427" cy="442737"/>
+            <a:off x="6316017" y="2512817"/>
+            <a:ext cx="2458051" cy="442737"/>
+          </a:xfrm>
+          <a:prstGeom prst="rect">
+            <a:avLst/>
+          </a:prstGeom>
+          <a:ln>
+            <a:solidFill>
+              <a:schemeClr val="tx1"/>
+            </a:solidFill>
+          </a:ln>
+        </p:spPr>
+        <p:style>
+          <a:lnRef idx="2">
+            <a:schemeClr val="accent1">
+              <a:shade val="50000"/>
+            </a:schemeClr>
+          </a:lnRef>
+          <a:fillRef idx="1">
+            <a:schemeClr val="accent1"/>
+          </a:fillRef>
+          <a:effectRef idx="0">
+            <a:schemeClr val="accent1"/>
+          </a:effectRef>
+          <a:fontRef idx="minor">
+            <a:schemeClr val="lt1"/>
+          </a:fontRef>
+        </p:style>
+        <p:txBody>
+          <a:bodyPr rtlCol="0" anchor="ctr"/>
+          <a:lstStyle/>
+          <a:p>
+            <a:pPr algn="ctr"/>
+            <a:r>
+              <a:rPr lang="en-US" sz="1400" b="1" dirty="0"/>
+              <a:t>Antidepressant Consumption Dataset</a:t>
+            </a:r>
+          </a:p>
+        </p:txBody>
+      </p:sp>
+      <p:sp>
+        <p:nvSpPr>
+          <p:cNvPr id="33" name="Rectangle 32">
+            <a:extLst>
+              <a:ext uri="{FF2B5EF4-FFF2-40B4-BE49-F238E27FC236}">
+                <a16:creationId xmlns:a16="http://schemas.microsoft.com/office/drawing/2014/main" id="{F3F91AED-FF20-4BC6-8E35-19FF6259963D}"/>
+              </a:ext>
+            </a:extLst>
+          </p:cNvPr>
+          <p:cNvSpPr/>
+          <p:nvPr/>
+        </p:nvSpPr>
+        <p:spPr>
+          <a:xfrm>
+            <a:off x="9294675" y="2505973"/>
+            <a:ext cx="2458051" cy="442737"/>
+          </a:xfrm>
+          <a:prstGeom prst="rect">
+            <a:avLst/>
+          </a:prstGeom>
+          <a:ln>
+            <a:solidFill>
+              <a:schemeClr val="tx1"/>
+            </a:solidFill>
+          </a:ln>
+        </p:spPr>
+        <p:style>
+          <a:lnRef idx="2">
+            <a:schemeClr val="accent1">
+              <a:shade val="50000"/>
+            </a:schemeClr>
+          </a:lnRef>
+          <a:fillRef idx="1">
+            <a:schemeClr val="accent1"/>
+          </a:fillRef>
+          <a:effectRef idx="0">
+            <a:schemeClr val="accent1"/>
+          </a:effectRef>
+          <a:fontRef idx="minor">
+            <a:schemeClr val="lt1"/>
+          </a:fontRef>
+        </p:style>
+        <p:txBody>
+          <a:bodyPr rtlCol="0" anchor="ctr"/>
+          <a:lstStyle/>
+          <a:p>
+            <a:pPr algn="ctr"/>
+            <a:r>
+              <a:rPr lang="en-US" sz="1400" b="1" dirty="0"/>
+              <a:t>Alcohol Consumption Dataset</a:t>
+            </a:r>
+          </a:p>
+        </p:txBody>
+      </p:sp>
+      <p:sp>
+        <p:nvSpPr>
+          <p:cNvPr id="35" name="TextBox 34">
+            <a:extLst>
+              <a:ext uri="{FF2B5EF4-FFF2-40B4-BE49-F238E27FC236}">
+                <a16:creationId xmlns:a16="http://schemas.microsoft.com/office/drawing/2014/main" id="{47BACEA5-AF72-4A24-9EB3-689938936082}"/>
+              </a:ext>
+            </a:extLst>
+          </p:cNvPr>
+          <p:cNvSpPr txBox="1"/>
+          <p:nvPr/>
+        </p:nvSpPr>
+        <p:spPr>
+          <a:xfrm>
+            <a:off x="1800975" y="2580296"/>
+            <a:ext cx="1390317" cy="307777"/>
+          </a:xfrm>
+          <a:prstGeom prst="rect">
+            <a:avLst/>
+          </a:prstGeom>
+          <a:noFill/>
+        </p:spPr>
+        <p:txBody>
+          <a:bodyPr wrap="none" rtlCol="0">
+            <a:spAutoFit/>
+          </a:bodyPr>
+          <a:lstStyle/>
+          <a:p>
+            <a:r>
+              <a:rPr lang="en-US" sz="1400" b="1" dirty="0"/>
+              <a:t>Table Formation</a:t>
+            </a:r>
+          </a:p>
+        </p:txBody>
+      </p:sp>
+      <p:sp>
+        <p:nvSpPr>
+          <p:cNvPr id="38" name="TextBox 37">
+            <a:extLst>
+              <a:ext uri="{FF2B5EF4-FFF2-40B4-BE49-F238E27FC236}">
+                <a16:creationId xmlns:a16="http://schemas.microsoft.com/office/drawing/2014/main" id="{FBB307CB-8CAD-4C9C-8808-3866B1B17C4B}"/>
+              </a:ext>
+            </a:extLst>
+          </p:cNvPr>
+          <p:cNvSpPr txBox="1"/>
+          <p:nvPr/>
+        </p:nvSpPr>
+        <p:spPr>
+          <a:xfrm>
+            <a:off x="396902" y="991199"/>
+            <a:ext cx="849656" cy="369332"/>
+          </a:xfrm>
+          <a:prstGeom prst="rect">
+            <a:avLst/>
+          </a:prstGeom>
+          <a:noFill/>
+        </p:spPr>
+        <p:txBody>
+          <a:bodyPr wrap="none" rtlCol="0">
+            <a:spAutoFit/>
+          </a:bodyPr>
+          <a:lstStyle/>
+          <a:p>
+            <a:r>
+              <a:rPr lang="en-US" b="1" dirty="0"/>
+              <a:t>Extract</a:t>
+            </a:r>
+            <a:endParaRPr lang="en-US" sz="1400" b="1" dirty="0"/>
+          </a:p>
+        </p:txBody>
+      </p:sp>
+      <p:sp>
+        <p:nvSpPr>
+          <p:cNvPr id="39" name="TextBox 38">
+            <a:extLst>
+              <a:ext uri="{FF2B5EF4-FFF2-40B4-BE49-F238E27FC236}">
+                <a16:creationId xmlns:a16="http://schemas.microsoft.com/office/drawing/2014/main" id="{F8550BA9-355D-4823-BCB6-F1A3F2F0EFD0}"/>
+              </a:ext>
+            </a:extLst>
+          </p:cNvPr>
+          <p:cNvSpPr txBox="1"/>
+          <p:nvPr/>
+        </p:nvSpPr>
+        <p:spPr>
+          <a:xfrm>
+            <a:off x="376936" y="2905709"/>
+            <a:ext cx="1153008" cy="369332"/>
+          </a:xfrm>
+          <a:prstGeom prst="rect">
+            <a:avLst/>
+          </a:prstGeom>
+          <a:noFill/>
+        </p:spPr>
+        <p:txBody>
+          <a:bodyPr wrap="none" rtlCol="0">
+            <a:spAutoFit/>
+          </a:bodyPr>
+          <a:lstStyle/>
+          <a:p>
+            <a:r>
+              <a:rPr lang="en-US" b="1" dirty="0"/>
+              <a:t>Transform</a:t>
+            </a:r>
+          </a:p>
+        </p:txBody>
+      </p:sp>
+      <p:sp>
+        <p:nvSpPr>
+          <p:cNvPr id="40" name="TextBox 39">
+            <a:extLst>
+              <a:ext uri="{FF2B5EF4-FFF2-40B4-BE49-F238E27FC236}">
+                <a16:creationId xmlns:a16="http://schemas.microsoft.com/office/drawing/2014/main" id="{DC0C9EAC-C70C-4F8F-9D6D-F26E0D2D6C90}"/>
+              </a:ext>
+            </a:extLst>
+          </p:cNvPr>
+          <p:cNvSpPr txBox="1"/>
+          <p:nvPr/>
+        </p:nvSpPr>
+        <p:spPr>
+          <a:xfrm>
+            <a:off x="1800012" y="3402927"/>
+            <a:ext cx="1358192" cy="307777"/>
+          </a:xfrm>
+          <a:prstGeom prst="rect">
+            <a:avLst/>
+          </a:prstGeom>
+          <a:noFill/>
+        </p:spPr>
+        <p:txBody>
+          <a:bodyPr wrap="none" rtlCol="0">
+            <a:spAutoFit/>
+          </a:bodyPr>
+          <a:lstStyle/>
+          <a:p>
+            <a:r>
+              <a:rPr lang="en-US" sz="1400" b="1" dirty="0"/>
+              <a:t>Standardization</a:t>
+            </a:r>
+          </a:p>
+        </p:txBody>
+      </p:sp>
+      <p:sp>
+        <p:nvSpPr>
+          <p:cNvPr id="41" name="Rectangle 40">
+            <a:extLst>
+              <a:ext uri="{FF2B5EF4-FFF2-40B4-BE49-F238E27FC236}">
+                <a16:creationId xmlns:a16="http://schemas.microsoft.com/office/drawing/2014/main" id="{DB2B0816-5CF0-42AA-B4E8-A8992C358BB0}"/>
+              </a:ext>
+            </a:extLst>
+          </p:cNvPr>
+          <p:cNvSpPr/>
+          <p:nvPr/>
+        </p:nvSpPr>
+        <p:spPr>
+          <a:xfrm>
+            <a:off x="3333175" y="3332021"/>
+            <a:ext cx="2458051" cy="442737"/>
+          </a:xfrm>
+          <a:prstGeom prst="rect">
+            <a:avLst/>
+          </a:prstGeom>
+          <a:ln>
+            <a:solidFill>
+              <a:schemeClr val="tx1"/>
+            </a:solidFill>
+          </a:ln>
+        </p:spPr>
+        <p:style>
+          <a:lnRef idx="2">
+            <a:schemeClr val="accent1">
+              <a:shade val="50000"/>
+            </a:schemeClr>
+          </a:lnRef>
+          <a:fillRef idx="1">
+            <a:schemeClr val="accent1"/>
+          </a:fillRef>
+          <a:effectRef idx="0">
+            <a:schemeClr val="accent1"/>
+          </a:effectRef>
+          <a:fontRef idx="minor">
+            <a:schemeClr val="lt1"/>
+          </a:fontRef>
+        </p:style>
+        <p:txBody>
+          <a:bodyPr rtlCol="0" anchor="ctr"/>
+          <a:lstStyle/>
+          <a:p>
+            <a:pPr algn="ctr"/>
+            <a:r>
+              <a:rPr lang="en-US" sz="1400" b="1" dirty="0"/>
+              <a:t>Standardize Country Name</a:t>
+            </a:r>
+          </a:p>
+        </p:txBody>
+      </p:sp>
+      <p:sp>
+        <p:nvSpPr>
+          <p:cNvPr id="42" name="Rectangle 41">
+            <a:extLst>
+              <a:ext uri="{FF2B5EF4-FFF2-40B4-BE49-F238E27FC236}">
+                <a16:creationId xmlns:a16="http://schemas.microsoft.com/office/drawing/2014/main" id="{9AD48E63-8F8A-4B85-A40E-F3A9CB2DF710}"/>
+              </a:ext>
+            </a:extLst>
+          </p:cNvPr>
+          <p:cNvSpPr/>
+          <p:nvPr/>
+        </p:nvSpPr>
+        <p:spPr>
+          <a:xfrm>
+            <a:off x="6310798" y="3334737"/>
+            <a:ext cx="2458051" cy="442737"/>
+          </a:xfrm>
+          <a:prstGeom prst="rect">
+            <a:avLst/>
+          </a:prstGeom>
+          <a:ln>
+            <a:solidFill>
+              <a:schemeClr val="tx1"/>
+            </a:solidFill>
+          </a:ln>
+        </p:spPr>
+        <p:style>
+          <a:lnRef idx="2">
+            <a:schemeClr val="accent1">
+              <a:shade val="50000"/>
+            </a:schemeClr>
+          </a:lnRef>
+          <a:fillRef idx="1">
+            <a:schemeClr val="accent1"/>
+          </a:fillRef>
+          <a:effectRef idx="0">
+            <a:schemeClr val="accent1"/>
+          </a:effectRef>
+          <a:fontRef idx="minor">
+            <a:schemeClr val="lt1"/>
+          </a:fontRef>
+        </p:style>
+        <p:txBody>
+          <a:bodyPr rtlCol="0" anchor="ctr"/>
+          <a:lstStyle/>
+          <a:p>
+            <a:pPr algn="ctr"/>
+            <a:r>
+              <a:rPr lang="en-US" sz="1400" b="1" dirty="0"/>
+              <a:t>Standardize Country Name</a:t>
+            </a:r>
+          </a:p>
+        </p:txBody>
+      </p:sp>
+      <p:sp>
+        <p:nvSpPr>
+          <p:cNvPr id="43" name="Rectangle 42">
+            <a:extLst>
+              <a:ext uri="{FF2B5EF4-FFF2-40B4-BE49-F238E27FC236}">
+                <a16:creationId xmlns:a16="http://schemas.microsoft.com/office/drawing/2014/main" id="{260F2023-247B-4BA2-A8AD-CB97CB6A326C}"/>
+              </a:ext>
+            </a:extLst>
+          </p:cNvPr>
+          <p:cNvSpPr/>
+          <p:nvPr/>
+        </p:nvSpPr>
+        <p:spPr>
+          <a:xfrm>
+            <a:off x="9289456" y="3327893"/>
+            <a:ext cx="2458051" cy="442737"/>
+          </a:xfrm>
+          <a:prstGeom prst="rect">
+            <a:avLst/>
+          </a:prstGeom>
+          <a:ln>
+            <a:solidFill>
+              <a:schemeClr val="tx1"/>
+            </a:solidFill>
+          </a:ln>
+        </p:spPr>
+        <p:style>
+          <a:lnRef idx="2">
+            <a:schemeClr val="accent1">
+              <a:shade val="50000"/>
+            </a:schemeClr>
+          </a:lnRef>
+          <a:fillRef idx="1">
+            <a:schemeClr val="accent1"/>
+          </a:fillRef>
+          <a:effectRef idx="0">
+            <a:schemeClr val="accent1"/>
+          </a:effectRef>
+          <a:fontRef idx="minor">
+            <a:schemeClr val="lt1"/>
+          </a:fontRef>
+        </p:style>
+        <p:txBody>
+          <a:bodyPr rtlCol="0" anchor="ctr"/>
+          <a:lstStyle/>
+          <a:p>
+            <a:pPr algn="ctr"/>
+            <a:r>
+              <a:rPr lang="en-US" sz="1400" b="1" dirty="0"/>
+              <a:t>Standardize Country Name</a:t>
+            </a:r>
+          </a:p>
+        </p:txBody>
+      </p:sp>
+      <p:sp>
+        <p:nvSpPr>
+          <p:cNvPr id="44" name="TextBox 43">
+            <a:extLst>
+              <a:ext uri="{FF2B5EF4-FFF2-40B4-BE49-F238E27FC236}">
+                <a16:creationId xmlns:a16="http://schemas.microsoft.com/office/drawing/2014/main" id="{5137676B-67EE-4FE1-93D0-E9B8B6858BA3}"/>
+              </a:ext>
+            </a:extLst>
+          </p:cNvPr>
+          <p:cNvSpPr txBox="1"/>
+          <p:nvPr/>
+        </p:nvSpPr>
+        <p:spPr>
+          <a:xfrm>
+            <a:off x="1770024" y="4316311"/>
+            <a:ext cx="790601" cy="307777"/>
+          </a:xfrm>
+          <a:prstGeom prst="rect">
+            <a:avLst/>
+          </a:prstGeom>
+          <a:noFill/>
+        </p:spPr>
+        <p:txBody>
+          <a:bodyPr wrap="none" rtlCol="0">
+            <a:spAutoFit/>
+          </a:bodyPr>
+          <a:lstStyle/>
+          <a:p>
+            <a:r>
+              <a:rPr lang="en-US" sz="1400" b="1" dirty="0"/>
+              <a:t>Connect</a:t>
+            </a:r>
+          </a:p>
+        </p:txBody>
+      </p:sp>
+      <p:sp>
+        <p:nvSpPr>
+          <p:cNvPr id="45" name="Rectangle 44">
+            <a:extLst>
+              <a:ext uri="{FF2B5EF4-FFF2-40B4-BE49-F238E27FC236}">
+                <a16:creationId xmlns:a16="http://schemas.microsoft.com/office/drawing/2014/main" id="{1EA6A4C8-2612-4E74-A273-4AAEEFBFD020}"/>
+              </a:ext>
+            </a:extLst>
+          </p:cNvPr>
+          <p:cNvSpPr/>
+          <p:nvPr/>
+        </p:nvSpPr>
+        <p:spPr>
+          <a:xfrm>
+            <a:off x="6310798" y="5126821"/>
+            <a:ext cx="2458051" cy="442737"/>
           </a:xfrm>
           <a:prstGeom prst="rect">
             <a:avLst/>
@@ -4642,663 +5082,8 @@
           <a:p>
             <a:pPr algn="ctr"/>
             <a:r>
-              <a:rPr lang="en-US" sz="1400" b="1" dirty="0" err="1"/>
-              <a:t>PostgresSQL</a:t>
-            </a:r>
-            <a:endParaRPr lang="en-US" sz="1400" b="1" dirty="0"/>
-          </a:p>
-        </p:txBody>
-      </p:sp>
-      <p:sp>
-        <p:nvSpPr>
-          <p:cNvPr id="31" name="Rectangle 30">
-            <a:extLst>
-              <a:ext uri="{FF2B5EF4-FFF2-40B4-BE49-F238E27FC236}">
-                <a16:creationId xmlns:a16="http://schemas.microsoft.com/office/drawing/2014/main" id="{E2021133-2530-408F-98D1-A7C8266EDF65}"/>
-              </a:ext>
-            </a:extLst>
-          </p:cNvPr>
-          <p:cNvSpPr/>
-          <p:nvPr/>
-        </p:nvSpPr>
-        <p:spPr>
-          <a:xfrm>
-            <a:off x="3338394" y="2510101"/>
-            <a:ext cx="2458051" cy="442737"/>
-          </a:xfrm>
-          <a:prstGeom prst="rect">
-            <a:avLst/>
-          </a:prstGeom>
-          <a:ln>
-            <a:solidFill>
-              <a:schemeClr val="tx1"/>
-            </a:solidFill>
-          </a:ln>
-        </p:spPr>
-        <p:style>
-          <a:lnRef idx="2">
-            <a:schemeClr val="accent1">
-              <a:shade val="50000"/>
-            </a:schemeClr>
-          </a:lnRef>
-          <a:fillRef idx="1">
-            <a:schemeClr val="accent1"/>
-          </a:fillRef>
-          <a:effectRef idx="0">
-            <a:schemeClr val="accent1"/>
-          </a:effectRef>
-          <a:fontRef idx="minor">
-            <a:schemeClr val="lt1"/>
-          </a:fontRef>
-        </p:style>
-        <p:txBody>
-          <a:bodyPr rtlCol="0" anchor="ctr"/>
-          <a:lstStyle/>
-          <a:p>
-            <a:pPr algn="ctr"/>
-            <a:r>
-              <a:rPr lang="en-US" sz="1400" b="1" dirty="0"/>
-              <a:t>Happiness Index Dataset </a:t>
-            </a:r>
-          </a:p>
-        </p:txBody>
-      </p:sp>
-      <p:sp>
-        <p:nvSpPr>
-          <p:cNvPr id="32" name="Rectangle 31">
-            <a:extLst>
-              <a:ext uri="{FF2B5EF4-FFF2-40B4-BE49-F238E27FC236}">
-                <a16:creationId xmlns:a16="http://schemas.microsoft.com/office/drawing/2014/main" id="{DDACCC03-85EE-40BB-9738-866F0744DEE0}"/>
-              </a:ext>
-            </a:extLst>
-          </p:cNvPr>
-          <p:cNvSpPr/>
-          <p:nvPr/>
-        </p:nvSpPr>
-        <p:spPr>
-          <a:xfrm>
-            <a:off x="6316017" y="2512817"/>
-            <a:ext cx="2458051" cy="442737"/>
-          </a:xfrm>
-          <a:prstGeom prst="rect">
-            <a:avLst/>
-          </a:prstGeom>
-          <a:ln>
-            <a:solidFill>
-              <a:schemeClr val="tx1"/>
-            </a:solidFill>
-          </a:ln>
-        </p:spPr>
-        <p:style>
-          <a:lnRef idx="2">
-            <a:schemeClr val="accent1">
-              <a:shade val="50000"/>
-            </a:schemeClr>
-          </a:lnRef>
-          <a:fillRef idx="1">
-            <a:schemeClr val="accent1"/>
-          </a:fillRef>
-          <a:effectRef idx="0">
-            <a:schemeClr val="accent1"/>
-          </a:effectRef>
-          <a:fontRef idx="minor">
-            <a:schemeClr val="lt1"/>
-          </a:fontRef>
-        </p:style>
-        <p:txBody>
-          <a:bodyPr rtlCol="0" anchor="ctr"/>
-          <a:lstStyle/>
-          <a:p>
-            <a:pPr algn="ctr"/>
-            <a:r>
-              <a:rPr lang="en-US" sz="1400" b="1" dirty="0"/>
-              <a:t>Antidepressant Consumption Dataset</a:t>
-            </a:r>
-          </a:p>
-        </p:txBody>
-      </p:sp>
-      <p:sp>
-        <p:nvSpPr>
-          <p:cNvPr id="33" name="Rectangle 32">
-            <a:extLst>
-              <a:ext uri="{FF2B5EF4-FFF2-40B4-BE49-F238E27FC236}">
-                <a16:creationId xmlns:a16="http://schemas.microsoft.com/office/drawing/2014/main" id="{F3F91AED-FF20-4BC6-8E35-19FF6259963D}"/>
-              </a:ext>
-            </a:extLst>
-          </p:cNvPr>
-          <p:cNvSpPr/>
-          <p:nvPr/>
-        </p:nvSpPr>
-        <p:spPr>
-          <a:xfrm>
-            <a:off x="9294675" y="2505973"/>
-            <a:ext cx="2458051" cy="442737"/>
-          </a:xfrm>
-          <a:prstGeom prst="rect">
-            <a:avLst/>
-          </a:prstGeom>
-          <a:ln>
-            <a:solidFill>
-              <a:schemeClr val="tx1"/>
-            </a:solidFill>
-          </a:ln>
-        </p:spPr>
-        <p:style>
-          <a:lnRef idx="2">
-            <a:schemeClr val="accent1">
-              <a:shade val="50000"/>
-            </a:schemeClr>
-          </a:lnRef>
-          <a:fillRef idx="1">
-            <a:schemeClr val="accent1"/>
-          </a:fillRef>
-          <a:effectRef idx="0">
-            <a:schemeClr val="accent1"/>
-          </a:effectRef>
-          <a:fontRef idx="minor">
-            <a:schemeClr val="lt1"/>
-          </a:fontRef>
-        </p:style>
-        <p:txBody>
-          <a:bodyPr rtlCol="0" anchor="ctr"/>
-          <a:lstStyle/>
-          <a:p>
-            <a:pPr algn="ctr"/>
-            <a:r>
-              <a:rPr lang="en-US" sz="1400" b="1" dirty="0"/>
-              <a:t>Alcohol Consumption Dataset</a:t>
-            </a:r>
-          </a:p>
-        </p:txBody>
-      </p:sp>
-      <p:sp>
-        <p:nvSpPr>
-          <p:cNvPr id="35" name="TextBox 34">
-            <a:extLst>
-              <a:ext uri="{FF2B5EF4-FFF2-40B4-BE49-F238E27FC236}">
-                <a16:creationId xmlns:a16="http://schemas.microsoft.com/office/drawing/2014/main" id="{47BACEA5-AF72-4A24-9EB3-689938936082}"/>
-              </a:ext>
-            </a:extLst>
-          </p:cNvPr>
-          <p:cNvSpPr txBox="1"/>
-          <p:nvPr/>
-        </p:nvSpPr>
-        <p:spPr>
-          <a:xfrm>
-            <a:off x="1800975" y="2580296"/>
-            <a:ext cx="1390317" cy="307777"/>
-          </a:xfrm>
-          <a:prstGeom prst="rect">
-            <a:avLst/>
-          </a:prstGeom>
-          <a:noFill/>
-        </p:spPr>
-        <p:txBody>
-          <a:bodyPr wrap="none" rtlCol="0">
-            <a:spAutoFit/>
-          </a:bodyPr>
-          <a:lstStyle/>
-          <a:p>
-            <a:r>
-              <a:rPr lang="en-US" sz="1400" b="1" dirty="0"/>
-              <a:t>Table Formation</a:t>
-            </a:r>
-          </a:p>
-        </p:txBody>
-      </p:sp>
-      <p:sp>
-        <p:nvSpPr>
-          <p:cNvPr id="36" name="Rectangle 35">
-            <a:extLst>
-              <a:ext uri="{FF2B5EF4-FFF2-40B4-BE49-F238E27FC236}">
-                <a16:creationId xmlns:a16="http://schemas.microsoft.com/office/drawing/2014/main" id="{F9C4E1F8-D7C3-4107-AAA2-47A53CD923B3}"/>
-              </a:ext>
-            </a:extLst>
-          </p:cNvPr>
-          <p:cNvSpPr/>
-          <p:nvPr/>
-        </p:nvSpPr>
-        <p:spPr>
-          <a:xfrm>
-            <a:off x="4078736" y="6130376"/>
-            <a:ext cx="1420427" cy="442737"/>
-          </a:xfrm>
-          <a:prstGeom prst="rect">
-            <a:avLst/>
-          </a:prstGeom>
-          <a:solidFill>
-            <a:schemeClr val="accent6"/>
-          </a:solidFill>
-          <a:ln>
-            <a:solidFill>
-              <a:schemeClr val="tx1"/>
-            </a:solidFill>
-          </a:ln>
-        </p:spPr>
-        <p:style>
-          <a:lnRef idx="2">
-            <a:schemeClr val="accent1">
-              <a:shade val="50000"/>
-            </a:schemeClr>
-          </a:lnRef>
-          <a:fillRef idx="1">
-            <a:schemeClr val="accent1"/>
-          </a:fillRef>
-          <a:effectRef idx="0">
-            <a:schemeClr val="accent1"/>
-          </a:effectRef>
-          <a:fontRef idx="minor">
-            <a:schemeClr val="lt1"/>
-          </a:fontRef>
-        </p:style>
-        <p:txBody>
-          <a:bodyPr rtlCol="0" anchor="ctr"/>
-          <a:lstStyle/>
-          <a:p>
-            <a:pPr algn="ctr"/>
-            <a:r>
-              <a:rPr lang="en-US" sz="1400" b="1" dirty="0"/>
-              <a:t>CSV Files</a:t>
-            </a:r>
-          </a:p>
-        </p:txBody>
-      </p:sp>
-      <p:sp>
-        <p:nvSpPr>
-          <p:cNvPr id="38" name="TextBox 37">
-            <a:extLst>
-              <a:ext uri="{FF2B5EF4-FFF2-40B4-BE49-F238E27FC236}">
-                <a16:creationId xmlns:a16="http://schemas.microsoft.com/office/drawing/2014/main" id="{FBB307CB-8CAD-4C9C-8808-3866B1B17C4B}"/>
-              </a:ext>
-            </a:extLst>
-          </p:cNvPr>
-          <p:cNvSpPr txBox="1"/>
-          <p:nvPr/>
-        </p:nvSpPr>
-        <p:spPr>
-          <a:xfrm>
-            <a:off x="396902" y="991199"/>
-            <a:ext cx="849656" cy="369332"/>
-          </a:xfrm>
-          <a:prstGeom prst="rect">
-            <a:avLst/>
-          </a:prstGeom>
-          <a:noFill/>
-        </p:spPr>
-        <p:txBody>
-          <a:bodyPr wrap="none" rtlCol="0">
-            <a:spAutoFit/>
-          </a:bodyPr>
-          <a:lstStyle/>
-          <a:p>
-            <a:r>
-              <a:rPr lang="en-US" b="1" dirty="0"/>
-              <a:t>Extract</a:t>
-            </a:r>
-            <a:endParaRPr lang="en-US" sz="1400" b="1" dirty="0"/>
-          </a:p>
-        </p:txBody>
-      </p:sp>
-      <p:sp>
-        <p:nvSpPr>
-          <p:cNvPr id="39" name="TextBox 38">
-            <a:extLst>
-              <a:ext uri="{FF2B5EF4-FFF2-40B4-BE49-F238E27FC236}">
-                <a16:creationId xmlns:a16="http://schemas.microsoft.com/office/drawing/2014/main" id="{F8550BA9-355D-4823-BCB6-F1A3F2F0EFD0}"/>
-              </a:ext>
-            </a:extLst>
-          </p:cNvPr>
-          <p:cNvSpPr txBox="1"/>
-          <p:nvPr/>
-        </p:nvSpPr>
-        <p:spPr>
-          <a:xfrm>
-            <a:off x="376936" y="2905709"/>
-            <a:ext cx="1153008" cy="369332"/>
-          </a:xfrm>
-          <a:prstGeom prst="rect">
-            <a:avLst/>
-          </a:prstGeom>
-          <a:noFill/>
-        </p:spPr>
-        <p:txBody>
-          <a:bodyPr wrap="none" rtlCol="0">
-            <a:spAutoFit/>
-          </a:bodyPr>
-          <a:lstStyle/>
-          <a:p>
-            <a:r>
-              <a:rPr lang="en-US" b="1" dirty="0"/>
-              <a:t>Transform</a:t>
-            </a:r>
-          </a:p>
-        </p:txBody>
-      </p:sp>
-      <p:sp>
-        <p:nvSpPr>
-          <p:cNvPr id="40" name="TextBox 39">
-            <a:extLst>
-              <a:ext uri="{FF2B5EF4-FFF2-40B4-BE49-F238E27FC236}">
-                <a16:creationId xmlns:a16="http://schemas.microsoft.com/office/drawing/2014/main" id="{DC0C9EAC-C70C-4F8F-9D6D-F26E0D2D6C90}"/>
-              </a:ext>
-            </a:extLst>
-          </p:cNvPr>
-          <p:cNvSpPr txBox="1"/>
-          <p:nvPr/>
-        </p:nvSpPr>
-        <p:spPr>
-          <a:xfrm>
-            <a:off x="1800012" y="3402927"/>
-            <a:ext cx="1358192" cy="307777"/>
-          </a:xfrm>
-          <a:prstGeom prst="rect">
-            <a:avLst/>
-          </a:prstGeom>
-          <a:noFill/>
-        </p:spPr>
-        <p:txBody>
-          <a:bodyPr wrap="none" rtlCol="0">
-            <a:spAutoFit/>
-          </a:bodyPr>
-          <a:lstStyle/>
-          <a:p>
-            <a:r>
-              <a:rPr lang="en-US" sz="1400" b="1" dirty="0"/>
-              <a:t>Standardization</a:t>
-            </a:r>
-          </a:p>
-        </p:txBody>
-      </p:sp>
-      <p:sp>
-        <p:nvSpPr>
-          <p:cNvPr id="41" name="Rectangle 40">
-            <a:extLst>
-              <a:ext uri="{FF2B5EF4-FFF2-40B4-BE49-F238E27FC236}">
-                <a16:creationId xmlns:a16="http://schemas.microsoft.com/office/drawing/2014/main" id="{DB2B0816-5CF0-42AA-B4E8-A8992C358BB0}"/>
-              </a:ext>
-            </a:extLst>
-          </p:cNvPr>
-          <p:cNvSpPr/>
-          <p:nvPr/>
-        </p:nvSpPr>
-        <p:spPr>
-          <a:xfrm>
-            <a:off x="3333175" y="3332021"/>
-            <a:ext cx="2458051" cy="442737"/>
-          </a:xfrm>
-          <a:prstGeom prst="rect">
-            <a:avLst/>
-          </a:prstGeom>
-          <a:ln>
-            <a:solidFill>
-              <a:schemeClr val="tx1"/>
-            </a:solidFill>
-          </a:ln>
-        </p:spPr>
-        <p:style>
-          <a:lnRef idx="2">
-            <a:schemeClr val="accent1">
-              <a:shade val="50000"/>
-            </a:schemeClr>
-          </a:lnRef>
-          <a:fillRef idx="1">
-            <a:schemeClr val="accent1"/>
-          </a:fillRef>
-          <a:effectRef idx="0">
-            <a:schemeClr val="accent1"/>
-          </a:effectRef>
-          <a:fontRef idx="minor">
-            <a:schemeClr val="lt1"/>
-          </a:fontRef>
-        </p:style>
-        <p:txBody>
-          <a:bodyPr rtlCol="0" anchor="ctr"/>
-          <a:lstStyle/>
-          <a:p>
-            <a:pPr algn="ctr"/>
-            <a:r>
-              <a:rPr lang="en-US" sz="1400" b="1" dirty="0"/>
-              <a:t>Standardize Country Name</a:t>
-            </a:r>
-          </a:p>
-        </p:txBody>
-      </p:sp>
-      <p:sp>
-        <p:nvSpPr>
-          <p:cNvPr id="42" name="Rectangle 41">
-            <a:extLst>
-              <a:ext uri="{FF2B5EF4-FFF2-40B4-BE49-F238E27FC236}">
-                <a16:creationId xmlns:a16="http://schemas.microsoft.com/office/drawing/2014/main" id="{9AD48E63-8F8A-4B85-A40E-F3A9CB2DF710}"/>
-              </a:ext>
-            </a:extLst>
-          </p:cNvPr>
-          <p:cNvSpPr/>
-          <p:nvPr/>
-        </p:nvSpPr>
-        <p:spPr>
-          <a:xfrm>
-            <a:off x="6310798" y="3334737"/>
-            <a:ext cx="2458051" cy="442737"/>
-          </a:xfrm>
-          <a:prstGeom prst="rect">
-            <a:avLst/>
-          </a:prstGeom>
-          <a:ln>
-            <a:solidFill>
-              <a:schemeClr val="tx1"/>
-            </a:solidFill>
-          </a:ln>
-        </p:spPr>
-        <p:style>
-          <a:lnRef idx="2">
-            <a:schemeClr val="accent1">
-              <a:shade val="50000"/>
-            </a:schemeClr>
-          </a:lnRef>
-          <a:fillRef idx="1">
-            <a:schemeClr val="accent1"/>
-          </a:fillRef>
-          <a:effectRef idx="0">
-            <a:schemeClr val="accent1"/>
-          </a:effectRef>
-          <a:fontRef idx="minor">
-            <a:schemeClr val="lt1"/>
-          </a:fontRef>
-        </p:style>
-        <p:txBody>
-          <a:bodyPr rtlCol="0" anchor="ctr"/>
-          <a:lstStyle/>
-          <a:p>
-            <a:pPr algn="ctr"/>
-            <a:r>
-              <a:rPr lang="en-US" sz="1400" b="1" dirty="0"/>
-              <a:t>Standardize Country Name</a:t>
-            </a:r>
-          </a:p>
-        </p:txBody>
-      </p:sp>
-      <p:sp>
-        <p:nvSpPr>
-          <p:cNvPr id="43" name="Rectangle 42">
-            <a:extLst>
-              <a:ext uri="{FF2B5EF4-FFF2-40B4-BE49-F238E27FC236}">
-                <a16:creationId xmlns:a16="http://schemas.microsoft.com/office/drawing/2014/main" id="{260F2023-247B-4BA2-A8AD-CB97CB6A326C}"/>
-              </a:ext>
-            </a:extLst>
-          </p:cNvPr>
-          <p:cNvSpPr/>
-          <p:nvPr/>
-        </p:nvSpPr>
-        <p:spPr>
-          <a:xfrm>
-            <a:off x="9289456" y="3327893"/>
-            <a:ext cx="2458051" cy="442737"/>
-          </a:xfrm>
-          <a:prstGeom prst="rect">
-            <a:avLst/>
-          </a:prstGeom>
-          <a:ln>
-            <a:solidFill>
-              <a:schemeClr val="tx1"/>
-            </a:solidFill>
-          </a:ln>
-        </p:spPr>
-        <p:style>
-          <a:lnRef idx="2">
-            <a:schemeClr val="accent1">
-              <a:shade val="50000"/>
-            </a:schemeClr>
-          </a:lnRef>
-          <a:fillRef idx="1">
-            <a:schemeClr val="accent1"/>
-          </a:fillRef>
-          <a:effectRef idx="0">
-            <a:schemeClr val="accent1"/>
-          </a:effectRef>
-          <a:fontRef idx="minor">
-            <a:schemeClr val="lt1"/>
-          </a:fontRef>
-        </p:style>
-        <p:txBody>
-          <a:bodyPr rtlCol="0" anchor="ctr"/>
-          <a:lstStyle/>
-          <a:p>
-            <a:pPr algn="ctr"/>
-            <a:r>
-              <a:rPr lang="en-US" sz="1400" b="1" dirty="0"/>
-              <a:t>Standardize Country Name</a:t>
-            </a:r>
-          </a:p>
-        </p:txBody>
-      </p:sp>
-      <p:sp>
-        <p:nvSpPr>
-          <p:cNvPr id="44" name="TextBox 43">
-            <a:extLst>
-              <a:ext uri="{FF2B5EF4-FFF2-40B4-BE49-F238E27FC236}">
-                <a16:creationId xmlns:a16="http://schemas.microsoft.com/office/drawing/2014/main" id="{5137676B-67EE-4FE1-93D0-E9B8B6858BA3}"/>
-              </a:ext>
-            </a:extLst>
-          </p:cNvPr>
-          <p:cNvSpPr txBox="1"/>
-          <p:nvPr/>
-        </p:nvSpPr>
-        <p:spPr>
-          <a:xfrm>
-            <a:off x="1770024" y="4238487"/>
-            <a:ext cx="790601" cy="307777"/>
-          </a:xfrm>
-          <a:prstGeom prst="rect">
-            <a:avLst/>
-          </a:prstGeom>
-          <a:noFill/>
-        </p:spPr>
-        <p:txBody>
-          <a:bodyPr wrap="none" rtlCol="0">
-            <a:spAutoFit/>
-          </a:bodyPr>
-          <a:lstStyle/>
-          <a:p>
-            <a:r>
-              <a:rPr lang="en-US" sz="1400" b="1" dirty="0"/>
-              <a:t>Connect</a:t>
-            </a:r>
-          </a:p>
-        </p:txBody>
-      </p:sp>
-      <p:sp>
-        <p:nvSpPr>
-          <p:cNvPr id="45" name="Rectangle 44">
-            <a:extLst>
-              <a:ext uri="{FF2B5EF4-FFF2-40B4-BE49-F238E27FC236}">
-                <a16:creationId xmlns:a16="http://schemas.microsoft.com/office/drawing/2014/main" id="{1EA6A4C8-2612-4E74-A273-4AAEEFBFD020}"/>
-              </a:ext>
-            </a:extLst>
-          </p:cNvPr>
-          <p:cNvSpPr/>
-          <p:nvPr/>
-        </p:nvSpPr>
-        <p:spPr>
-          <a:xfrm>
-            <a:off x="6310798" y="5126821"/>
-            <a:ext cx="2458051" cy="442737"/>
-          </a:xfrm>
-          <a:prstGeom prst="rect">
-            <a:avLst/>
-          </a:prstGeom>
-          <a:solidFill>
-            <a:schemeClr val="accent2"/>
-          </a:solidFill>
-          <a:ln>
-            <a:solidFill>
-              <a:schemeClr val="tx1"/>
-            </a:solidFill>
-          </a:ln>
-        </p:spPr>
-        <p:style>
-          <a:lnRef idx="2">
-            <a:schemeClr val="accent1">
-              <a:shade val="50000"/>
-            </a:schemeClr>
-          </a:lnRef>
-          <a:fillRef idx="1">
-            <a:schemeClr val="accent1"/>
-          </a:fillRef>
-          <a:effectRef idx="0">
-            <a:schemeClr val="accent1"/>
-          </a:effectRef>
-          <a:fontRef idx="minor">
-            <a:schemeClr val="lt1"/>
-          </a:fontRef>
-        </p:style>
-        <p:txBody>
-          <a:bodyPr rtlCol="0" anchor="ctr"/>
-          <a:lstStyle/>
-          <a:p>
-            <a:pPr algn="ctr"/>
-            <a:r>
               <a:rPr lang="en-US" sz="1400" b="1" dirty="0"/>
               <a:t>Linked Dataset</a:t>
-            </a:r>
-          </a:p>
-        </p:txBody>
-      </p:sp>
-      <p:sp>
-        <p:nvSpPr>
-          <p:cNvPr id="47" name="TextBox 46">
-            <a:extLst>
-              <a:ext uri="{FF2B5EF4-FFF2-40B4-BE49-F238E27FC236}">
-                <a16:creationId xmlns:a16="http://schemas.microsoft.com/office/drawing/2014/main" id="{0E56BA02-5861-4AB5-8862-68FAC279F6E8}"/>
-              </a:ext>
-            </a:extLst>
-          </p:cNvPr>
-          <p:cNvSpPr txBox="1"/>
-          <p:nvPr/>
-        </p:nvSpPr>
-        <p:spPr>
-          <a:xfrm>
-            <a:off x="3208967" y="6199062"/>
-            <a:ext cx="452240" cy="307777"/>
-          </a:xfrm>
-          <a:prstGeom prst="rect">
-            <a:avLst/>
-          </a:prstGeom>
-          <a:noFill/>
-          <a:ln>
-            <a:solidFill>
-              <a:schemeClr val="tx1"/>
-            </a:solidFill>
-          </a:ln>
-        </p:spPr>
-        <p:txBody>
-          <a:bodyPr wrap="none" rtlCol="0">
-            <a:spAutoFit/>
-          </a:bodyPr>
-          <a:lstStyle/>
-          <a:p>
-            <a:r>
-              <a:rPr lang="en-US" sz="1400" b="1" dirty="0"/>
-              <a:t>Key</a:t>
             </a:r>
           </a:p>
         </p:txBody>
@@ -5867,7 +5652,7 @@
         </p:nvSpPr>
         <p:spPr>
           <a:xfrm>
-            <a:off x="1800012" y="5192445"/>
+            <a:off x="1800012" y="5231357"/>
             <a:ext cx="631904" cy="307777"/>
           </a:xfrm>
           <a:prstGeom prst="rect">
@@ -5924,42 +5709,47 @@
           </a:p>
         </p:txBody>
       </p:sp>
-    </p:spTree>
-    <p:extLst>
-      <p:ext uri="{BB962C8B-B14F-4D97-AF65-F5344CB8AC3E}">
-        <p14:creationId xmlns:p14="http://schemas.microsoft.com/office/powerpoint/2010/main" val="752811526"/>
-      </p:ext>
-    </p:extLst>
-  </p:cSld>
-  <p:clrMapOvr>
-    <a:masterClrMapping/>
-  </p:clrMapOvr>
-</p:sld>
-</file>
-
-<file path=ppt/slides/slide2.xml><?xml version="1.0" encoding="utf-8"?>
-<p:sld xmlns:a="http://schemas.openxmlformats.org/drawingml/2006/main" xmlns:r="http://schemas.openxmlformats.org/officeDocument/2006/relationships" xmlns:p="http://schemas.openxmlformats.org/presentationml/2006/main">
-  <p:cSld>
-    <p:spTree>
-      <p:nvGrpSpPr>
-        <p:cNvPr id="1" name=""/>
-        <p:cNvGrpSpPr/>
-        <p:nvPr/>
-      </p:nvGrpSpPr>
-      <p:grpSpPr>
-        <a:xfrm>
-          <a:off x="0" y="0"/>
-          <a:ext cx="0" cy="0"/>
-          <a:chOff x="0" y="0"/>
-          <a:chExt cx="0" cy="0"/>
-        </a:xfrm>
-      </p:grpSpPr>
-      <p:sp>
-        <p:nvSpPr>
-          <p:cNvPr id="2" name="Rectangle 1">
-            <a:extLst>
-              <a:ext uri="{FF2B5EF4-FFF2-40B4-BE49-F238E27FC236}">
-                <a16:creationId xmlns:a16="http://schemas.microsoft.com/office/drawing/2014/main" id="{7D47370E-B1B6-4FA4-9CCC-4FDEE32B35A0}"/>
+      <p:sp>
+        <p:nvSpPr>
+          <p:cNvPr id="49" name="TextBox 48">
+            <a:extLst>
+              <a:ext uri="{FF2B5EF4-FFF2-40B4-BE49-F238E27FC236}">
+                <a16:creationId xmlns:a16="http://schemas.microsoft.com/office/drawing/2014/main" id="{EE315C20-6006-4F4D-871B-74571B09507F}"/>
+              </a:ext>
+            </a:extLst>
+          </p:cNvPr>
+          <p:cNvSpPr txBox="1"/>
+          <p:nvPr/>
+        </p:nvSpPr>
+        <p:spPr>
+          <a:xfrm>
+            <a:off x="1800012" y="6115787"/>
+            <a:ext cx="1519968" cy="307777"/>
+          </a:xfrm>
+          <a:prstGeom prst="rect">
+            <a:avLst/>
+          </a:prstGeom>
+          <a:noFill/>
+        </p:spPr>
+        <p:txBody>
+          <a:bodyPr wrap="none" rtlCol="0">
+            <a:spAutoFit/>
+          </a:bodyPr>
+          <a:lstStyle/>
+          <a:p>
+            <a:r>
+              <a:rPr lang="en-US" sz="1400" b="1" dirty="0"/>
+              <a:t>Common Queries</a:t>
+            </a:r>
+          </a:p>
+        </p:txBody>
+      </p:sp>
+      <p:sp>
+        <p:nvSpPr>
+          <p:cNvPr id="52" name="Rectangle 51">
+            <a:extLst>
+              <a:ext uri="{FF2B5EF4-FFF2-40B4-BE49-F238E27FC236}">
+                <a16:creationId xmlns:a16="http://schemas.microsoft.com/office/drawing/2014/main" id="{13C67161-77C0-40A5-8D41-FCC6519269E6}"/>
               </a:ext>
             </a:extLst>
           </p:cNvPr>
@@ -5968,14 +5758,14 @@
         </p:nvSpPr>
         <p:spPr>
           <a:xfrm>
-            <a:off x="3656089" y="2206643"/>
-            <a:ext cx="4514517" cy="2109719"/>
+            <a:off x="6316017" y="6009991"/>
+            <a:ext cx="2458051" cy="442737"/>
           </a:xfrm>
           <a:prstGeom prst="rect">
             <a:avLst/>
           </a:prstGeom>
           <a:solidFill>
-            <a:schemeClr val="accent2"/>
+            <a:srgbClr val="C00000"/>
           </a:solidFill>
           <a:ln>
             <a:solidFill>
@@ -6005,8 +5795,444 @@
           <a:p>
             <a:pPr algn="ctr"/>
             <a:r>
-              <a:rPr lang="en-US" sz="2400" b="1" dirty="0"/>
-              <a:t>If we incorporate Flask, add brief overview on this slide</a:t>
+              <a:rPr lang="en-US" sz="1400" b="1" dirty="0"/>
+              <a:t>App.py</a:t>
+            </a:r>
+          </a:p>
+        </p:txBody>
+      </p:sp>
+      <p:grpSp>
+        <p:nvGrpSpPr>
+          <p:cNvPr id="8" name="Group 7">
+            <a:extLst>
+              <a:ext uri="{FF2B5EF4-FFF2-40B4-BE49-F238E27FC236}">
+                <a16:creationId xmlns:a16="http://schemas.microsoft.com/office/drawing/2014/main" id="{7C0C6865-D735-4657-8145-3617F004D1E3}"/>
+              </a:ext>
+            </a:extLst>
+          </p:cNvPr>
+          <p:cNvGrpSpPr/>
+          <p:nvPr/>
+        </p:nvGrpSpPr>
+        <p:grpSpPr>
+          <a:xfrm>
+            <a:off x="9043468" y="5084852"/>
+            <a:ext cx="2704039" cy="1382885"/>
+            <a:chOff x="9113397" y="5351310"/>
+            <a:chExt cx="2704039" cy="1382885"/>
+          </a:xfrm>
+        </p:grpSpPr>
+        <p:sp>
+          <p:nvSpPr>
+            <p:cNvPr id="48" name="Rectangle 47">
+              <a:extLst>
+                <a:ext uri="{FF2B5EF4-FFF2-40B4-BE49-F238E27FC236}">
+                  <a16:creationId xmlns:a16="http://schemas.microsoft.com/office/drawing/2014/main" id="{DBAE284B-056B-438E-BA9D-AA579C9053D5}"/>
+                </a:ext>
+              </a:extLst>
+            </p:cNvPr>
+            <p:cNvSpPr/>
+            <p:nvPr/>
+          </p:nvSpPr>
+          <p:spPr>
+            <a:xfrm>
+              <a:off x="9113397" y="5351310"/>
+              <a:ext cx="2704039" cy="1382885"/>
+            </a:xfrm>
+            <a:prstGeom prst="rect">
+              <a:avLst/>
+            </a:prstGeom>
+            <a:solidFill>
+              <a:schemeClr val="bg1"/>
+            </a:solidFill>
+            <a:ln>
+              <a:solidFill>
+                <a:schemeClr val="tx1"/>
+              </a:solidFill>
+            </a:ln>
+          </p:spPr>
+          <p:style>
+            <a:lnRef idx="2">
+              <a:schemeClr val="accent1">
+                <a:shade val="50000"/>
+              </a:schemeClr>
+            </a:lnRef>
+            <a:fillRef idx="1">
+              <a:schemeClr val="accent1"/>
+            </a:fillRef>
+            <a:effectRef idx="0">
+              <a:schemeClr val="accent1"/>
+            </a:effectRef>
+            <a:fontRef idx="minor">
+              <a:schemeClr val="lt1"/>
+            </a:fontRef>
+          </p:style>
+          <p:txBody>
+            <a:bodyPr rtlCol="0" anchor="ctr"/>
+            <a:lstStyle/>
+            <a:p>
+              <a:pPr algn="ctr"/>
+              <a:endParaRPr lang="en-US" sz="1400" b="1" dirty="0"/>
+            </a:p>
+          </p:txBody>
+        </p:sp>
+        <p:sp>
+          <p:nvSpPr>
+            <p:cNvPr id="29" name="Rectangle 28">
+              <a:extLst>
+                <a:ext uri="{FF2B5EF4-FFF2-40B4-BE49-F238E27FC236}">
+                  <a16:creationId xmlns:a16="http://schemas.microsoft.com/office/drawing/2014/main" id="{84D8FC98-600F-4D50-969C-7C0646D19512}"/>
+                </a:ext>
+              </a:extLst>
+            </p:cNvPr>
+            <p:cNvSpPr/>
+            <p:nvPr/>
+          </p:nvSpPr>
+          <p:spPr>
+            <a:xfrm>
+              <a:off x="9910680" y="5791446"/>
+              <a:ext cx="1766594" cy="225787"/>
+            </a:xfrm>
+            <a:prstGeom prst="rect">
+              <a:avLst/>
+            </a:prstGeom>
+            <a:ln>
+              <a:solidFill>
+                <a:schemeClr val="tx1"/>
+              </a:solidFill>
+            </a:ln>
+          </p:spPr>
+          <p:style>
+            <a:lnRef idx="2">
+              <a:schemeClr val="accent1">
+                <a:shade val="50000"/>
+              </a:schemeClr>
+            </a:lnRef>
+            <a:fillRef idx="1">
+              <a:schemeClr val="accent1"/>
+            </a:fillRef>
+            <a:effectRef idx="0">
+              <a:schemeClr val="accent1"/>
+            </a:effectRef>
+            <a:fontRef idx="minor">
+              <a:schemeClr val="lt1"/>
+            </a:fontRef>
+          </p:style>
+          <p:txBody>
+            <a:bodyPr rtlCol="0" anchor="ctr"/>
+            <a:lstStyle/>
+            <a:p>
+              <a:pPr algn="ctr"/>
+              <a:r>
+                <a:rPr lang="en-US" sz="1050" b="1" dirty="0"/>
+                <a:t>Jupyter Notebook</a:t>
+              </a:r>
+            </a:p>
+          </p:txBody>
+        </p:sp>
+        <p:sp>
+          <p:nvSpPr>
+            <p:cNvPr id="30" name="Rectangle 29">
+              <a:extLst>
+                <a:ext uri="{FF2B5EF4-FFF2-40B4-BE49-F238E27FC236}">
+                  <a16:creationId xmlns:a16="http://schemas.microsoft.com/office/drawing/2014/main" id="{CC4EC98A-75C8-48F1-BAC0-FE4120184D9C}"/>
+                </a:ext>
+              </a:extLst>
+            </p:cNvPr>
+            <p:cNvSpPr/>
+            <p:nvPr/>
+          </p:nvSpPr>
+          <p:spPr>
+            <a:xfrm>
+              <a:off x="9910680" y="6114524"/>
+              <a:ext cx="1766594" cy="225787"/>
+            </a:xfrm>
+            <a:prstGeom prst="rect">
+              <a:avLst/>
+            </a:prstGeom>
+            <a:solidFill>
+              <a:schemeClr val="accent2"/>
+            </a:solidFill>
+            <a:ln>
+              <a:solidFill>
+                <a:schemeClr val="tx1"/>
+              </a:solidFill>
+            </a:ln>
+          </p:spPr>
+          <p:style>
+            <a:lnRef idx="2">
+              <a:schemeClr val="accent1">
+                <a:shade val="50000"/>
+              </a:schemeClr>
+            </a:lnRef>
+            <a:fillRef idx="1">
+              <a:schemeClr val="accent1"/>
+            </a:fillRef>
+            <a:effectRef idx="0">
+              <a:schemeClr val="accent1"/>
+            </a:effectRef>
+            <a:fontRef idx="minor">
+              <a:schemeClr val="lt1"/>
+            </a:fontRef>
+          </p:style>
+          <p:txBody>
+            <a:bodyPr rtlCol="0" anchor="ctr"/>
+            <a:lstStyle/>
+            <a:p>
+              <a:pPr algn="ctr"/>
+              <a:r>
+                <a:rPr lang="en-US" sz="1050" b="1" dirty="0"/>
+                <a:t>PostgreSQL</a:t>
+              </a:r>
+            </a:p>
+          </p:txBody>
+        </p:sp>
+        <p:sp>
+          <p:nvSpPr>
+            <p:cNvPr id="36" name="Rectangle 35">
+              <a:extLst>
+                <a:ext uri="{FF2B5EF4-FFF2-40B4-BE49-F238E27FC236}">
+                  <a16:creationId xmlns:a16="http://schemas.microsoft.com/office/drawing/2014/main" id="{F9C4E1F8-D7C3-4107-AAA2-47A53CD923B3}"/>
+                </a:ext>
+              </a:extLst>
+            </p:cNvPr>
+            <p:cNvSpPr/>
+            <p:nvPr/>
+          </p:nvSpPr>
+          <p:spPr>
+            <a:xfrm>
+              <a:off x="9914650" y="5460599"/>
+              <a:ext cx="1766594" cy="230817"/>
+            </a:xfrm>
+            <a:prstGeom prst="rect">
+              <a:avLst/>
+            </a:prstGeom>
+            <a:solidFill>
+              <a:schemeClr val="accent6"/>
+            </a:solidFill>
+            <a:ln>
+              <a:solidFill>
+                <a:schemeClr val="tx1"/>
+              </a:solidFill>
+            </a:ln>
+          </p:spPr>
+          <p:style>
+            <a:lnRef idx="2">
+              <a:schemeClr val="accent1">
+                <a:shade val="50000"/>
+              </a:schemeClr>
+            </a:lnRef>
+            <a:fillRef idx="1">
+              <a:schemeClr val="accent1"/>
+            </a:fillRef>
+            <a:effectRef idx="0">
+              <a:schemeClr val="accent1"/>
+            </a:effectRef>
+            <a:fontRef idx="minor">
+              <a:schemeClr val="lt1"/>
+            </a:fontRef>
+          </p:style>
+          <p:txBody>
+            <a:bodyPr rtlCol="0" anchor="ctr"/>
+            <a:lstStyle/>
+            <a:p>
+              <a:pPr algn="ctr"/>
+              <a:r>
+                <a:rPr lang="en-US" sz="1050" b="1" dirty="0"/>
+                <a:t>CSV Files</a:t>
+              </a:r>
+            </a:p>
+          </p:txBody>
+        </p:sp>
+        <p:sp>
+          <p:nvSpPr>
+            <p:cNvPr id="47" name="TextBox 46">
+              <a:extLst>
+                <a:ext uri="{FF2B5EF4-FFF2-40B4-BE49-F238E27FC236}">
+                  <a16:creationId xmlns:a16="http://schemas.microsoft.com/office/drawing/2014/main" id="{0E56BA02-5861-4AB5-8862-68FAC279F6E8}"/>
+                </a:ext>
+              </a:extLst>
+            </p:cNvPr>
+            <p:cNvSpPr txBox="1"/>
+            <p:nvPr/>
+          </p:nvSpPr>
+          <p:spPr>
+            <a:xfrm>
+              <a:off x="9354015" y="5899076"/>
+              <a:ext cx="452240" cy="307777"/>
+            </a:xfrm>
+            <a:prstGeom prst="rect">
+              <a:avLst/>
+            </a:prstGeom>
+            <a:noFill/>
+            <a:ln>
+              <a:noFill/>
+            </a:ln>
+          </p:spPr>
+          <p:txBody>
+            <a:bodyPr wrap="none" rtlCol="0">
+              <a:spAutoFit/>
+            </a:bodyPr>
+            <a:lstStyle/>
+            <a:p>
+              <a:r>
+                <a:rPr lang="en-US" sz="1400" b="1" dirty="0"/>
+                <a:t>Key</a:t>
+              </a:r>
+            </a:p>
+          </p:txBody>
+        </p:sp>
+        <p:sp>
+          <p:nvSpPr>
+            <p:cNvPr id="55" name="Rectangle 54">
+              <a:extLst>
+                <a:ext uri="{FF2B5EF4-FFF2-40B4-BE49-F238E27FC236}">
+                  <a16:creationId xmlns:a16="http://schemas.microsoft.com/office/drawing/2014/main" id="{1659C20D-0911-4264-8C8E-BB6B8FEB60F7}"/>
+                </a:ext>
+              </a:extLst>
+            </p:cNvPr>
+            <p:cNvSpPr/>
+            <p:nvPr/>
+          </p:nvSpPr>
+          <p:spPr>
+            <a:xfrm>
+              <a:off x="9910680" y="6432785"/>
+              <a:ext cx="1766594" cy="225787"/>
+            </a:xfrm>
+            <a:prstGeom prst="rect">
+              <a:avLst/>
+            </a:prstGeom>
+            <a:solidFill>
+              <a:srgbClr val="C00000"/>
+            </a:solidFill>
+            <a:ln>
+              <a:solidFill>
+                <a:schemeClr val="tx1"/>
+              </a:solidFill>
+            </a:ln>
+          </p:spPr>
+          <p:style>
+            <a:lnRef idx="2">
+              <a:schemeClr val="accent1">
+                <a:shade val="50000"/>
+              </a:schemeClr>
+            </a:lnRef>
+            <a:fillRef idx="1">
+              <a:schemeClr val="accent1"/>
+            </a:fillRef>
+            <a:effectRef idx="0">
+              <a:schemeClr val="accent1"/>
+            </a:effectRef>
+            <a:fontRef idx="minor">
+              <a:schemeClr val="lt1"/>
+            </a:fontRef>
+          </p:style>
+          <p:txBody>
+            <a:bodyPr rtlCol="0" anchor="ctr"/>
+            <a:lstStyle/>
+            <a:p>
+              <a:pPr algn="ctr"/>
+              <a:r>
+                <a:rPr lang="en-US" sz="1050" b="1" dirty="0"/>
+                <a:t>VS Code (HTML | Flask)</a:t>
+              </a:r>
+            </a:p>
+          </p:txBody>
+        </p:sp>
+      </p:grpSp>
+      <p:cxnSp>
+        <p:nvCxnSpPr>
+          <p:cNvPr id="56" name="Straight Arrow Connector 55">
+            <a:extLst>
+              <a:ext uri="{FF2B5EF4-FFF2-40B4-BE49-F238E27FC236}">
+                <a16:creationId xmlns:a16="http://schemas.microsoft.com/office/drawing/2014/main" id="{7E608BBF-2882-45D4-AC65-B0991D22B62A}"/>
+              </a:ext>
+            </a:extLst>
+          </p:cNvPr>
+          <p:cNvCxnSpPr>
+            <a:cxnSpLocks/>
+            <a:stCxn id="45" idx="2"/>
+            <a:endCxn id="52" idx="0"/>
+          </p:cNvCxnSpPr>
+          <p:nvPr/>
+        </p:nvCxnSpPr>
+        <p:spPr>
+          <a:xfrm>
+            <a:off x="7539824" y="5569558"/>
+            <a:ext cx="5219" cy="440433"/>
+          </a:xfrm>
+          <a:prstGeom prst="straightConnector1">
+            <a:avLst/>
+          </a:prstGeom>
+          <a:ln>
+            <a:solidFill>
+              <a:schemeClr val="tx1"/>
+            </a:solidFill>
+            <a:tailEnd type="triangle"/>
+          </a:ln>
+        </p:spPr>
+        <p:style>
+          <a:lnRef idx="1">
+            <a:schemeClr val="accent1"/>
+          </a:lnRef>
+          <a:fillRef idx="0">
+            <a:schemeClr val="accent1"/>
+          </a:fillRef>
+          <a:effectRef idx="0">
+            <a:schemeClr val="accent1"/>
+          </a:effectRef>
+          <a:fontRef idx="minor">
+            <a:schemeClr val="tx1"/>
+          </a:fontRef>
+        </p:style>
+      </p:cxnSp>
+      <p:sp>
+        <p:nvSpPr>
+          <p:cNvPr id="61" name="TextBox 60">
+            <a:extLst>
+              <a:ext uri="{FF2B5EF4-FFF2-40B4-BE49-F238E27FC236}">
+                <a16:creationId xmlns:a16="http://schemas.microsoft.com/office/drawing/2014/main" id="{1CCA7119-1F01-4C46-A8EC-116BDF94A7EA}"/>
+              </a:ext>
+            </a:extLst>
+          </p:cNvPr>
+          <p:cNvSpPr txBox="1"/>
+          <p:nvPr/>
+        </p:nvSpPr>
+        <p:spPr>
+          <a:xfrm>
+            <a:off x="376936" y="5776294"/>
+            <a:ext cx="1272849" cy="923330"/>
+          </a:xfrm>
+          <a:prstGeom prst="rect">
+            <a:avLst/>
+          </a:prstGeom>
+          <a:noFill/>
+        </p:spPr>
+        <p:txBody>
+          <a:bodyPr wrap="none" rtlCol="0">
+            <a:spAutoFit/>
+          </a:bodyPr>
+          <a:lstStyle/>
+          <a:p>
+            <a:r>
+              <a:rPr lang="en-US" b="1" dirty="0"/>
+              <a:t>Web</a:t>
+            </a:r>
+            <a:br>
+              <a:rPr lang="en-US" b="1" dirty="0"/>
+            </a:br>
+            <a:r>
+              <a:rPr lang="en-US" b="1" dirty="0"/>
+              <a:t>Application</a:t>
+            </a:r>
+          </a:p>
+          <a:p>
+            <a:r>
+              <a:rPr lang="en-US" b="1" dirty="0">
+                <a:solidFill>
+                  <a:srgbClr val="C00000"/>
+                </a:solidFill>
+              </a:rPr>
+              <a:t>(Extra)</a:t>
             </a:r>
           </a:p>
         </p:txBody>
@@ -6014,7 +6240,7 @@
     </p:spTree>
     <p:extLst>
       <p:ext uri="{BB962C8B-B14F-4D97-AF65-F5344CB8AC3E}">
-        <p14:creationId xmlns:p14="http://schemas.microsoft.com/office/powerpoint/2010/main" val="4293999207"/>
+        <p14:creationId xmlns:p14="http://schemas.microsoft.com/office/powerpoint/2010/main" val="752811526"/>
       </p:ext>
     </p:extLst>
   </p:cSld>
